--- a/figures/ehp_submission_figures.pptx
+++ b/figures/ehp_submission_figures.pptx
@@ -5,14 +5,15 @@
     <p:sldMasterId id="2147483648" r:id="rId1"/>
   </p:sldMasterIdLst>
   <p:notesMasterIdLst>
-    <p:notesMasterId r:id="rId7"/>
+    <p:notesMasterId r:id="rId8"/>
   </p:notesMasterIdLst>
   <p:sldIdLst>
     <p:sldId id="257" r:id="rId2"/>
     <p:sldId id="258" r:id="rId3"/>
     <p:sldId id="314" r:id="rId4"/>
-    <p:sldId id="301" r:id="rId5"/>
-    <p:sldId id="315" r:id="rId6"/>
+    <p:sldId id="315" r:id="rId5"/>
+    <p:sldId id="301" r:id="rId6"/>
+    <p:sldId id="316" r:id="rId7"/>
   </p:sldIdLst>
   <p:sldSz cx="12192000" cy="6858000"/>
   <p:notesSz cx="6858000" cy="9144000"/>
@@ -111,6 +112,11 @@
       </a:defRPr>
     </a:lvl9pPr>
   </p:defaultTextStyle>
+  <p:extLst>
+    <p:ext uri="{EFAFB233-063F-42B5-8137-9DF3F51BA10A}">
+      <p15:sldGuideLst xmlns:p15="http://schemas.microsoft.com/office/powerpoint/2012/main"/>
+    </p:ext>
+  </p:extLst>
 </p:presentation>
 </file>
 
@@ -196,7 +202,7 @@
           <a:p>
             <a:fld id="{9544ECBC-3937-414A-8F72-AA32A9E929E0}" type="datetimeFigureOut">
               <a:rPr lang="en-US" smtClean="0"/>
-              <a:t>12/14/20</a:t>
+              <a:t>12/18/20</a:t>
             </a:fld>
             <a:endParaRPr lang="en-US"/>
           </a:p>
@@ -751,12 +757,7 @@
             <p:ph type="sldImg"/>
           </p:nvPr>
         </p:nvSpPr>
-        <p:spPr>
-          <a:xfrm>
-            <a:off x="685800" y="1143000"/>
-            <a:ext cx="5486400" cy="3086100"/>
-          </a:xfrm>
-        </p:spPr>
+        <p:spPr/>
       </p:sp>
       <p:sp>
         <p:nvSpPr>
@@ -775,11 +776,8 @@
           <a:p>
             <a:r>
               <a:rPr lang="en-US" dirty="0"/>
-              <a:t>Figure 4</a:t>
-            </a:r>
-          </a:p>
-          <a:p>
-            <a:endParaRPr lang="en-US" dirty="0"/>
+              <a:t>Figure 4 (alt edit) KEEP THIS ONE FOR FINAL PAPER</a:t>
+            </a:r>
           </a:p>
         </p:txBody>
       </p:sp>
@@ -798,7 +796,7 @@
           <a:bodyPr/>
           <a:lstStyle/>
           <a:p>
-            <a:fld id="{5187BE24-2FE7-9F4F-A97F-D3ECD0A557E4}" type="slidenum">
+            <a:fld id="{37BDEA52-B487-5443-92D3-293E1D861D85}" type="slidenum">
               <a:rPr lang="en-US" smtClean="0"/>
               <a:t>4</a:t>
             </a:fld>
@@ -809,7 +807,7 @@
     </p:spTree>
     <p:extLst>
       <p:ext uri="{BB962C8B-B14F-4D97-AF65-F5344CB8AC3E}">
-        <p14:creationId xmlns:p14="http://schemas.microsoft.com/office/powerpoint/2010/main" val="2049830662"/>
+        <p14:creationId xmlns:p14="http://schemas.microsoft.com/office/powerpoint/2010/main" val="2444881573"/>
       </p:ext>
     </p:extLst>
   </p:cSld>
@@ -846,7 +844,12 @@
             <p:ph type="sldImg"/>
           </p:nvPr>
         </p:nvSpPr>
-        <p:spPr/>
+        <p:spPr>
+          <a:xfrm>
+            <a:off x="685800" y="1143000"/>
+            <a:ext cx="5486400" cy="3086100"/>
+          </a:xfrm>
+        </p:spPr>
       </p:sp>
       <p:sp>
         <p:nvSpPr>
@@ -865,8 +868,11 @@
           <a:p>
             <a:r>
               <a:rPr lang="en-US" dirty="0"/>
-              <a:t>Figure 4 (alt edit)</a:t>
-            </a:r>
+              <a:t>Figure 4</a:t>
+            </a:r>
+          </a:p>
+          <a:p>
+            <a:endParaRPr lang="en-US" dirty="0"/>
           </a:p>
         </p:txBody>
       </p:sp>
@@ -885,7 +891,7 @@
           <a:bodyPr/>
           <a:lstStyle/>
           <a:p>
-            <a:fld id="{37BDEA52-B487-5443-92D3-293E1D861D85}" type="slidenum">
+            <a:fld id="{5187BE24-2FE7-9F4F-A97F-D3ECD0A557E4}" type="slidenum">
               <a:rPr lang="en-US" smtClean="0"/>
               <a:t>5</a:t>
             </a:fld>
@@ -896,7 +902,98 @@
     </p:spTree>
     <p:extLst>
       <p:ext uri="{BB962C8B-B14F-4D97-AF65-F5344CB8AC3E}">
-        <p14:creationId xmlns:p14="http://schemas.microsoft.com/office/powerpoint/2010/main" val="2444881573"/>
+        <p14:creationId xmlns:p14="http://schemas.microsoft.com/office/powerpoint/2010/main" val="2049830662"/>
+      </p:ext>
+    </p:extLst>
+  </p:cSld>
+  <p:clrMapOvr>
+    <a:masterClrMapping/>
+  </p:clrMapOvr>
+</p:notes>
+</file>
+
+<file path=ppt/notesSlides/notesSlide6.xml><?xml version="1.0" encoding="utf-8"?>
+<p:notes xmlns:a="http://schemas.openxmlformats.org/drawingml/2006/main" xmlns:r="http://schemas.openxmlformats.org/officeDocument/2006/relationships" xmlns:p="http://schemas.openxmlformats.org/presentationml/2006/main">
+  <p:cSld>
+    <p:spTree>
+      <p:nvGrpSpPr>
+        <p:cNvPr id="1" name=""/>
+        <p:cNvGrpSpPr/>
+        <p:nvPr/>
+      </p:nvGrpSpPr>
+      <p:grpSpPr>
+        <a:xfrm>
+          <a:off x="0" y="0"/>
+          <a:ext cx="0" cy="0"/>
+          <a:chOff x="0" y="0"/>
+          <a:chExt cx="0" cy="0"/>
+        </a:xfrm>
+      </p:grpSpPr>
+      <p:sp>
+        <p:nvSpPr>
+          <p:cNvPr id="2" name="Slide Image Placeholder 1"/>
+          <p:cNvSpPr>
+            <a:spLocks noGrp="1" noRot="1" noChangeAspect="1"/>
+          </p:cNvSpPr>
+          <p:nvPr>
+            <p:ph type="sldImg"/>
+          </p:nvPr>
+        </p:nvSpPr>
+        <p:spPr/>
+      </p:sp>
+      <p:sp>
+        <p:nvSpPr>
+          <p:cNvPr id="3" name="Notes Placeholder 2"/>
+          <p:cNvSpPr>
+            <a:spLocks noGrp="1"/>
+          </p:cNvSpPr>
+          <p:nvPr>
+            <p:ph type="body" idx="1"/>
+          </p:nvPr>
+        </p:nvSpPr>
+        <p:spPr/>
+        <p:txBody>
+          <a:bodyPr/>
+          <a:lstStyle/>
+          <a:p>
+            <a:r>
+              <a:rPr lang="en-US" dirty="0" err="1"/>
+              <a:t>InterX</a:t>
+            </a:r>
+            <a:r>
+              <a:rPr lang="en-US" dirty="0"/>
+              <a:t> plots for supplement</a:t>
+            </a:r>
+          </a:p>
+        </p:txBody>
+      </p:sp>
+      <p:sp>
+        <p:nvSpPr>
+          <p:cNvPr id="4" name="Slide Number Placeholder 3"/>
+          <p:cNvSpPr>
+            <a:spLocks noGrp="1"/>
+          </p:cNvSpPr>
+          <p:nvPr>
+            <p:ph type="sldNum" sz="quarter" idx="5"/>
+          </p:nvPr>
+        </p:nvSpPr>
+        <p:spPr/>
+        <p:txBody>
+          <a:bodyPr/>
+          <a:lstStyle/>
+          <a:p>
+            <a:fld id="{37BDEA52-B487-5443-92D3-293E1D861D85}" type="slidenum">
+              <a:rPr lang="en-US" smtClean="0"/>
+              <a:t>6</a:t>
+            </a:fld>
+            <a:endParaRPr lang="en-US"/>
+          </a:p>
+        </p:txBody>
+      </p:sp>
+    </p:spTree>
+    <p:extLst>
+      <p:ext uri="{BB962C8B-B14F-4D97-AF65-F5344CB8AC3E}">
+        <p14:creationId xmlns:p14="http://schemas.microsoft.com/office/powerpoint/2010/main" val="3894643263"/>
       </p:ext>
     </p:extLst>
   </p:cSld>
@@ -1053,7 +1150,7 @@
           <a:p>
             <a:fld id="{5B8325A7-D145-C141-BD32-4C8115588E87}" type="datetimeFigureOut">
               <a:rPr lang="en-US" smtClean="0"/>
-              <a:t>12/14/20</a:t>
+              <a:t>12/18/20</a:t>
             </a:fld>
             <a:endParaRPr lang="en-US"/>
           </a:p>
@@ -1251,7 +1348,7 @@
           <a:p>
             <a:fld id="{5B8325A7-D145-C141-BD32-4C8115588E87}" type="datetimeFigureOut">
               <a:rPr lang="en-US" smtClean="0"/>
-              <a:t>12/14/20</a:t>
+              <a:t>12/18/20</a:t>
             </a:fld>
             <a:endParaRPr lang="en-US"/>
           </a:p>
@@ -1459,7 +1556,7 @@
           <a:p>
             <a:fld id="{5B8325A7-D145-C141-BD32-4C8115588E87}" type="datetimeFigureOut">
               <a:rPr lang="en-US" smtClean="0"/>
-              <a:t>12/14/20</a:t>
+              <a:t>12/18/20</a:t>
             </a:fld>
             <a:endParaRPr lang="en-US"/>
           </a:p>
@@ -1657,7 +1754,7 @@
           <a:p>
             <a:fld id="{5B8325A7-D145-C141-BD32-4C8115588E87}" type="datetimeFigureOut">
               <a:rPr lang="en-US" smtClean="0"/>
-              <a:t>12/14/20</a:t>
+              <a:t>12/18/20</a:t>
             </a:fld>
             <a:endParaRPr lang="en-US"/>
           </a:p>
@@ -1932,7 +2029,7 @@
           <a:p>
             <a:fld id="{5B8325A7-D145-C141-BD32-4C8115588E87}" type="datetimeFigureOut">
               <a:rPr lang="en-US" smtClean="0"/>
-              <a:t>12/14/20</a:t>
+              <a:t>12/18/20</a:t>
             </a:fld>
             <a:endParaRPr lang="en-US"/>
           </a:p>
@@ -2197,7 +2294,7 @@
           <a:p>
             <a:fld id="{5B8325A7-D145-C141-BD32-4C8115588E87}" type="datetimeFigureOut">
               <a:rPr lang="en-US" smtClean="0"/>
-              <a:t>12/14/20</a:t>
+              <a:t>12/18/20</a:t>
             </a:fld>
             <a:endParaRPr lang="en-US"/>
           </a:p>
@@ -2609,7 +2706,7 @@
           <a:p>
             <a:fld id="{5B8325A7-D145-C141-BD32-4C8115588E87}" type="datetimeFigureOut">
               <a:rPr lang="en-US" smtClean="0"/>
-              <a:t>12/14/20</a:t>
+              <a:t>12/18/20</a:t>
             </a:fld>
             <a:endParaRPr lang="en-US"/>
           </a:p>
@@ -2750,7 +2847,7 @@
           <a:p>
             <a:fld id="{5B8325A7-D145-C141-BD32-4C8115588E87}" type="datetimeFigureOut">
               <a:rPr lang="en-US" smtClean="0"/>
-              <a:t>12/14/20</a:t>
+              <a:t>12/18/20</a:t>
             </a:fld>
             <a:endParaRPr lang="en-US"/>
           </a:p>
@@ -2863,7 +2960,7 @@
           <a:p>
             <a:fld id="{5B8325A7-D145-C141-BD32-4C8115588E87}" type="datetimeFigureOut">
               <a:rPr lang="en-US" smtClean="0"/>
-              <a:t>12/14/20</a:t>
+              <a:t>12/18/20</a:t>
             </a:fld>
             <a:endParaRPr lang="en-US"/>
           </a:p>
@@ -3174,7 +3271,7 @@
           <a:p>
             <a:fld id="{5B8325A7-D145-C141-BD32-4C8115588E87}" type="datetimeFigureOut">
               <a:rPr lang="en-US" smtClean="0"/>
-              <a:t>12/14/20</a:t>
+              <a:t>12/18/20</a:t>
             </a:fld>
             <a:endParaRPr lang="en-US"/>
           </a:p>
@@ -3462,7 +3559,7 @@
           <a:p>
             <a:fld id="{5B8325A7-D145-C141-BD32-4C8115588E87}" type="datetimeFigureOut">
               <a:rPr lang="en-US" smtClean="0"/>
-              <a:t>12/14/20</a:t>
+              <a:t>12/18/20</a:t>
             </a:fld>
             <a:endParaRPr lang="en-US"/>
           </a:p>
@@ -3703,7 +3800,7 @@
           <a:p>
             <a:fld id="{5B8325A7-D145-C141-BD32-4C8115588E87}" type="datetimeFigureOut">
               <a:rPr lang="en-US" smtClean="0"/>
-              <a:t>12/14/20</a:t>
+              <a:t>12/18/20</a:t>
             </a:fld>
             <a:endParaRPr lang="en-US"/>
           </a:p>
@@ -4122,31 +4219,31 @@
       </p:grpSpPr>
       <p:pic>
         <p:nvPicPr>
-          <p:cNvPr id="5" name="Content Placeholder 4" descr="Map&#10;&#10;Description automatically generated">
-            <a:extLst>
-              <a:ext uri="{FF2B5EF4-FFF2-40B4-BE49-F238E27FC236}">
-                <a16:creationId xmlns:a16="http://schemas.microsoft.com/office/drawing/2014/main" id="{E5BA55F4-5728-344A-A236-6A350A2CB166}"/>
+          <p:cNvPr id="3" name="Picture 2" descr="Map&#10;&#10;Description automatically generated">
+            <a:extLst>
+              <a:ext uri="{FF2B5EF4-FFF2-40B4-BE49-F238E27FC236}">
+                <a16:creationId xmlns:a16="http://schemas.microsoft.com/office/drawing/2014/main" id="{3DB47CDF-1A28-D246-98E2-0D8DE112C2D9}"/>
               </a:ext>
             </a:extLst>
           </p:cNvPr>
           <p:cNvPicPr>
-            <a:picLocks noGrp="1" noChangeAspect="1"/>
+            <a:picLocks noChangeAspect="1"/>
           </p:cNvPicPr>
-          <p:nvPr>
-            <p:ph idx="1"/>
-          </p:nvPr>
+          <p:nvPr/>
         </p:nvPicPr>
-        <p:blipFill>
+        <p:blipFill rotWithShape="1">
           <a:blip r:embed="rId3"/>
-          <a:stretch>
-            <a:fillRect/>
-          </a:stretch>
+          <a:srcRect b="509"/>
+          <a:stretch/>
         </p:blipFill>
         <p:spPr>
           <a:xfrm>
-            <a:off x="757237" y="180476"/>
-            <a:ext cx="10677526" cy="6497048"/>
+            <a:off x="958850" y="311150"/>
+            <a:ext cx="10274300" cy="6203950"/>
           </a:xfrm>
+          <a:prstGeom prst="rect">
+            <a:avLst/>
+          </a:prstGeom>
         </p:spPr>
       </p:pic>
     </p:spTree>
@@ -6024,6 +6121,96 @@
       </p:grpSpPr>
       <p:pic>
         <p:nvPicPr>
+          <p:cNvPr id="5" name="Picture 4" descr="Chart, line chart&#10;&#10;Description automatically generated">
+            <a:extLst>
+              <a:ext uri="{FF2B5EF4-FFF2-40B4-BE49-F238E27FC236}">
+                <a16:creationId xmlns:a16="http://schemas.microsoft.com/office/drawing/2014/main" id="{345F3299-415D-4E45-A36A-E286B102C1DE}"/>
+              </a:ext>
+            </a:extLst>
+          </p:cNvPr>
+          <p:cNvPicPr>
+            <a:picLocks noChangeAspect="1"/>
+          </p:cNvPicPr>
+          <p:nvPr/>
+        </p:nvPicPr>
+        <p:blipFill>
+          <a:blip r:embed="rId3"/>
+          <a:stretch>
+            <a:fillRect/>
+          </a:stretch>
+        </p:blipFill>
+        <p:spPr>
+          <a:xfrm>
+            <a:off x="5915025" y="1628216"/>
+            <a:ext cx="6098871" cy="3766457"/>
+          </a:xfrm>
+          <a:prstGeom prst="rect">
+            <a:avLst/>
+          </a:prstGeom>
+        </p:spPr>
+      </p:pic>
+      <p:pic>
+        <p:nvPicPr>
+          <p:cNvPr id="4" name="Picture 3" descr="Chart, line chart&#10;&#10;Description automatically generated">
+            <a:extLst>
+              <a:ext uri="{FF2B5EF4-FFF2-40B4-BE49-F238E27FC236}">
+                <a16:creationId xmlns:a16="http://schemas.microsoft.com/office/drawing/2014/main" id="{3FF5DA01-B38D-BF4E-9F83-9F31999A2E40}"/>
+              </a:ext>
+            </a:extLst>
+          </p:cNvPr>
+          <p:cNvPicPr>
+            <a:picLocks noChangeAspect="1"/>
+          </p:cNvPicPr>
+          <p:nvPr/>
+        </p:nvPicPr>
+        <p:blipFill>
+          <a:blip r:embed="rId4"/>
+          <a:stretch>
+            <a:fillRect/>
+          </a:stretch>
+        </p:blipFill>
+        <p:spPr>
+          <a:xfrm>
+            <a:off x="0" y="1628216"/>
+            <a:ext cx="6098870" cy="3766457"/>
+          </a:xfrm>
+          <a:prstGeom prst="rect">
+            <a:avLst/>
+          </a:prstGeom>
+        </p:spPr>
+      </p:pic>
+    </p:spTree>
+    <p:extLst>
+      <p:ext uri="{BB962C8B-B14F-4D97-AF65-F5344CB8AC3E}">
+        <p14:creationId xmlns:p14="http://schemas.microsoft.com/office/powerpoint/2010/main" val="3691819837"/>
+      </p:ext>
+    </p:extLst>
+  </p:cSld>
+  <p:clrMapOvr>
+    <a:masterClrMapping/>
+  </p:clrMapOvr>
+</p:sld>
+</file>
+
+<file path=ppt/slides/slide5.xml><?xml version="1.0" encoding="utf-8"?>
+<p:sld xmlns:a="http://schemas.openxmlformats.org/drawingml/2006/main" xmlns:r="http://schemas.openxmlformats.org/officeDocument/2006/relationships" xmlns:p="http://schemas.openxmlformats.org/presentationml/2006/main" show="0">
+  <p:cSld>
+    <p:spTree>
+      <p:nvGrpSpPr>
+        <p:cNvPr id="1" name=""/>
+        <p:cNvGrpSpPr/>
+        <p:nvPr/>
+      </p:nvGrpSpPr>
+      <p:grpSpPr>
+        <a:xfrm>
+          <a:off x="0" y="0"/>
+          <a:ext cx="0" cy="0"/>
+          <a:chOff x="0" y="0"/>
+          <a:chExt cx="0" cy="0"/>
+        </a:xfrm>
+      </p:grpSpPr>
+      <p:pic>
+        <p:nvPicPr>
           <p:cNvPr id="9" name="Picture 8" descr="A close up of a map&#10;&#10;Description automatically generated">
             <a:extLst>
               <a:ext uri="{FF2B5EF4-FFF2-40B4-BE49-F238E27FC236}">
@@ -6095,7 +6282,7 @@
 </p:sld>
 </file>
 
-<file path=ppt/slides/slide5.xml><?xml version="1.0" encoding="utf-8"?>
+<file path=ppt/slides/slide6.xml><?xml version="1.0" encoding="utf-8"?>
 <p:sld xmlns:a="http://schemas.openxmlformats.org/drawingml/2006/main" xmlns:r="http://schemas.openxmlformats.org/officeDocument/2006/relationships" xmlns:p="http://schemas.openxmlformats.org/presentationml/2006/main">
   <p:cSld>
     <p:spTree>
@@ -6114,17 +6301,19 @@
       </p:grpSpPr>
       <p:pic>
         <p:nvPicPr>
-          <p:cNvPr id="5" name="Picture 4" descr="Chart, line chart&#10;&#10;Description automatically generated">
-            <a:extLst>
-              <a:ext uri="{FF2B5EF4-FFF2-40B4-BE49-F238E27FC236}">
-                <a16:creationId xmlns:a16="http://schemas.microsoft.com/office/drawing/2014/main" id="{345F3299-415D-4E45-A36A-E286B102C1DE}"/>
+          <p:cNvPr id="5" name="Content Placeholder 4" descr="Chart, line chart&#10;&#10;Description automatically generated">
+            <a:extLst>
+              <a:ext uri="{FF2B5EF4-FFF2-40B4-BE49-F238E27FC236}">
+                <a16:creationId xmlns:a16="http://schemas.microsoft.com/office/drawing/2014/main" id="{8BC34B21-BFEC-4749-B982-9E1EBC19BCDD}"/>
               </a:ext>
             </a:extLst>
           </p:cNvPr>
           <p:cNvPicPr>
-            <a:picLocks noChangeAspect="1"/>
+            <a:picLocks noGrp="1" noChangeAspect="1"/>
           </p:cNvPicPr>
-          <p:nvPr/>
+          <p:nvPr>
+            <p:ph idx="1"/>
+          </p:nvPr>
         </p:nvPicPr>
         <p:blipFill>
           <a:blip r:embed="rId3"/>
@@ -6134,20 +6323,17 @@
         </p:blipFill>
         <p:spPr>
           <a:xfrm>
-            <a:off x="5915025" y="1628216"/>
-            <a:ext cx="6098871" cy="3766457"/>
+            <a:off x="5955039" y="1924663"/>
+            <a:ext cx="6096000" cy="3764685"/>
           </a:xfrm>
-          <a:prstGeom prst="rect">
-            <a:avLst/>
-          </a:prstGeom>
         </p:spPr>
       </p:pic>
       <p:pic>
         <p:nvPicPr>
-          <p:cNvPr id="4" name="Picture 3" descr="Chart, line chart&#10;&#10;Description automatically generated">
-            <a:extLst>
-              <a:ext uri="{FF2B5EF4-FFF2-40B4-BE49-F238E27FC236}">
-                <a16:creationId xmlns:a16="http://schemas.microsoft.com/office/drawing/2014/main" id="{3FF5DA01-B38D-BF4E-9F83-9F31999A2E40}"/>
+          <p:cNvPr id="7" name="Picture 6" descr="Chart, line chart&#10;&#10;Description automatically generated">
+            <a:extLst>
+              <a:ext uri="{FF2B5EF4-FFF2-40B4-BE49-F238E27FC236}">
+                <a16:creationId xmlns:a16="http://schemas.microsoft.com/office/drawing/2014/main" id="{CEDAD105-38E1-624C-8266-F6F63147239E}"/>
               </a:ext>
             </a:extLst>
           </p:cNvPr>
@@ -6164,8 +6350,8 @@
         </p:blipFill>
         <p:spPr>
           <a:xfrm>
-            <a:off x="0" y="1628216"/>
-            <a:ext cx="6098870" cy="3766457"/>
+            <a:off x="100013" y="1924664"/>
+            <a:ext cx="6096000" cy="3764685"/>
           </a:xfrm>
           <a:prstGeom prst="rect">
             <a:avLst/>
@@ -6175,7 +6361,7 @@
     </p:spTree>
     <p:extLst>
       <p:ext uri="{BB962C8B-B14F-4D97-AF65-F5344CB8AC3E}">
-        <p14:creationId xmlns:p14="http://schemas.microsoft.com/office/powerpoint/2010/main" val="3691819837"/>
+        <p14:creationId xmlns:p14="http://schemas.microsoft.com/office/powerpoint/2010/main" val="1603540205"/>
       </p:ext>
     </p:extLst>
   </p:cSld>
